--- a/Slides/DevelopingWithTheSmartPlayerAPI_May12.pptx
+++ b/Slides/DevelopingWithTheSmartPlayerAPI_May12.pptx
@@ -3723,7 +3723,7 @@
             <a:fld id="{DDC063FE-8627-9A42-970F-0BBEEB02B587}" type="datetimeFigureOut">
               <a:rPr lang="en-US" smtClean="0"/>
               <a:pPr/>
-              <a:t>6/11/12</a:t>
+              <a:t>4/17/13</a:t>
             </a:fld>
             <a:endParaRPr lang="en-US"/>
           </a:p>
@@ -12597,8 +12597,8 @@
         </p:blipFill>
         <p:spPr>
           <a:xfrm>
-            <a:off x="10107745" y="2292409"/>
-            <a:ext cx="6906959" cy="1498188"/>
+            <a:off x="10107746" y="2292409"/>
+            <a:ext cx="6311078" cy="1498188"/>
           </a:xfrm>
           <a:prstGeom prst="rect">
             <a:avLst/>
@@ -12616,7 +12616,7 @@
         <p:spPr bwMode="auto">
           <a:xfrm flipV="1">
             <a:off x="5198269" y="3041503"/>
-            <a:ext cx="4909476" cy="207580"/>
+            <a:ext cx="4909477" cy="207580"/>
           </a:xfrm>
           <a:prstGeom prst="straightConnector1">
             <a:avLst/>
@@ -12782,7 +12782,7 @@
         </p:spPr>
         <p:txBody>
           <a:bodyPr>
-            <a:normAutofit fontScale="77500" lnSpcReduction="20000"/>
+            <a:normAutofit fontScale="70000" lnSpcReduction="20000"/>
           </a:bodyPr>
           <a:lstStyle/>
           <a:p>
@@ -12860,6 +12860,9 @@
             </a:r>
             <a:r>
               <a:rPr lang="en-US" sz="3200" dirty="0" err="1" smtClean="0">
+                <a:solidFill>
+                  <a:schemeClr val="accent3"/>
+                </a:solidFill>
                 <a:latin typeface="Consolas"/>
                 <a:cs typeface="Consolas"/>
               </a:rPr>
@@ -13330,17 +13333,17 @@
               <a:defRPr/>
             </a:pPr>
             <a:r>
-              <a:rPr lang="en-US" sz="3200" dirty="0" smtClean="0">
+              <a:rPr lang="en-US" sz="3200" dirty="0">
                 <a:solidFill>
                   <a:schemeClr val="accent3"/>
                 </a:solidFill>
                 <a:latin typeface="Consolas"/>
                 <a:cs typeface="Consolas"/>
               </a:rPr>
-              <a:t>  &lt;</a:t>
-            </a:r>
-            <a:r>
-              <a:rPr lang="en-US" sz="3200" dirty="0" err="1" smtClean="0">
+              <a:t>	&lt;</a:t>
+            </a:r>
+            <a:r>
+              <a:rPr lang="en-US" sz="3200" dirty="0" err="1">
                 <a:solidFill>
                   <a:schemeClr val="accent3"/>
                 </a:solidFill>
@@ -13350,7 +13353,7 @@
               <a:t>param</a:t>
             </a:r>
             <a:r>
-              <a:rPr lang="en-US" sz="3200" dirty="0" smtClean="0">
+              <a:rPr lang="en-US" sz="3200" dirty="0">
                 <a:solidFill>
                   <a:schemeClr val="accent3"/>
                 </a:solidFill>
@@ -13360,17 +13363,17 @@
               <a:t> name="</a:t>
             </a:r>
             <a:r>
-              <a:rPr lang="en-US" sz="3200" dirty="0" err="1" smtClean="0">
+              <a:rPr lang="en-US" sz="3200" dirty="0" err="1">
                 <a:solidFill>
                   <a:schemeClr val="accent3"/>
                 </a:solidFill>
                 <a:latin typeface="Consolas"/>
                 <a:cs typeface="Consolas"/>
               </a:rPr>
-              <a:t>templateReadyHandler</a:t>
-            </a:r>
-            <a:r>
-              <a:rPr lang="en-US" sz="3200" dirty="0" smtClean="0">
+              <a:t>templateLoadHandler</a:t>
+            </a:r>
+            <a:r>
+              <a:rPr lang="en-US" sz="3200" dirty="0">
                 <a:solidFill>
                   <a:schemeClr val="accent3"/>
                 </a:solidFill>
@@ -13380,17 +13383,17 @@
               <a:t>" value="</a:t>
             </a:r>
             <a:r>
-              <a:rPr lang="en-US" sz="3200" dirty="0" err="1" smtClean="0">
+              <a:rPr lang="en-US" sz="3200" dirty="0" err="1">
                 <a:solidFill>
                   <a:schemeClr val="accent3"/>
                 </a:solidFill>
                 <a:latin typeface="Consolas"/>
                 <a:cs typeface="Consolas"/>
               </a:rPr>
-              <a:t>BCL.onTemplateReady</a:t>
-            </a:r>
-            <a:r>
-              <a:rPr lang="en-US" sz="3200" dirty="0" smtClean="0">
+              <a:t>onTemplateLoad</a:t>
+            </a:r>
+            <a:r>
+              <a:rPr lang="en-US" sz="3200" dirty="0">
                 <a:solidFill>
                   <a:schemeClr val="accent3"/>
                 </a:solidFill>
@@ -13410,10 +13413,126 @@
             </a:pPr>
             <a:r>
               <a:rPr lang="en-US" sz="3200" dirty="0" smtClean="0">
-                <a:latin typeface="Consolas"/>
-                <a:cs typeface="Consolas"/>
-              </a:rPr>
-              <a:t>&lt;/object&gt;</a:t>
+                <a:solidFill>
+                  <a:schemeClr val="accent3"/>
+                </a:solidFill>
+                <a:latin typeface="Consolas"/>
+                <a:cs typeface="Consolas"/>
+              </a:rPr>
+              <a:t>  </a:t>
+            </a:r>
+            <a:r>
+              <a:rPr lang="en-US" sz="3200" dirty="0" smtClean="0">
+                <a:solidFill>
+                  <a:schemeClr val="accent3"/>
+                </a:solidFill>
+                <a:latin typeface="Consolas"/>
+                <a:cs typeface="Consolas"/>
+              </a:rPr>
+              <a:t>&lt;</a:t>
+            </a:r>
+            <a:r>
+              <a:rPr lang="en-US" sz="3200" dirty="0" err="1" smtClean="0">
+                <a:solidFill>
+                  <a:schemeClr val="accent3"/>
+                </a:solidFill>
+                <a:latin typeface="Consolas"/>
+                <a:cs typeface="Consolas"/>
+              </a:rPr>
+              <a:t>param</a:t>
+            </a:r>
+            <a:r>
+              <a:rPr lang="en-US" sz="3200" dirty="0" smtClean="0">
+                <a:solidFill>
+                  <a:schemeClr val="accent3"/>
+                </a:solidFill>
+                <a:latin typeface="Consolas"/>
+                <a:cs typeface="Consolas"/>
+              </a:rPr>
+              <a:t> name="</a:t>
+            </a:r>
+            <a:r>
+              <a:rPr lang="en-US" sz="3200" dirty="0" err="1" smtClean="0">
+                <a:solidFill>
+                  <a:schemeClr val="accent3"/>
+                </a:solidFill>
+                <a:latin typeface="Consolas"/>
+                <a:cs typeface="Consolas"/>
+              </a:rPr>
+              <a:t>templateReadyHandler</a:t>
+            </a:r>
+            <a:r>
+              <a:rPr lang="en-US" sz="3200" dirty="0" smtClean="0">
+                <a:solidFill>
+                  <a:schemeClr val="accent3"/>
+                </a:solidFill>
+                <a:latin typeface="Consolas"/>
+                <a:cs typeface="Consolas"/>
+              </a:rPr>
+              <a:t>" value</a:t>
+            </a:r>
+            <a:r>
+              <a:rPr lang="en-US" sz="3200" dirty="0" smtClean="0">
+                <a:solidFill>
+                  <a:schemeClr val="accent3"/>
+                </a:solidFill>
+                <a:latin typeface="Consolas"/>
+                <a:cs typeface="Consolas"/>
+              </a:rPr>
+              <a:t>="</a:t>
+            </a:r>
+            <a:r>
+              <a:rPr lang="en-US" sz="3200" dirty="0" err="1" smtClean="0">
+                <a:solidFill>
+                  <a:schemeClr val="accent3"/>
+                </a:solidFill>
+                <a:latin typeface="Consolas"/>
+                <a:cs typeface="Consolas"/>
+              </a:rPr>
+              <a:t>onTemplateReady</a:t>
+            </a:r>
+            <a:r>
+              <a:rPr lang="en-US" sz="3200" dirty="0" smtClean="0">
+                <a:solidFill>
+                  <a:schemeClr val="accent3"/>
+                </a:solidFill>
+                <a:latin typeface="Consolas"/>
+                <a:cs typeface="Consolas"/>
+              </a:rPr>
+              <a:t>" /</a:t>
+            </a:r>
+            <a:r>
+              <a:rPr lang="en-US" sz="3200" dirty="0" smtClean="0">
+                <a:solidFill>
+                  <a:schemeClr val="accent3"/>
+                </a:solidFill>
+                <a:latin typeface="Consolas"/>
+                <a:cs typeface="Consolas"/>
+              </a:rPr>
+              <a:t>&gt;</a:t>
+            </a:r>
+          </a:p>
+          <a:p>
+            <a:pPr>
+              <a:lnSpc>
+                <a:spcPct val="120000"/>
+              </a:lnSpc>
+              <a:buNone/>
+              <a:defRPr/>
+            </a:pPr>
+            <a:r>
+              <a:rPr lang="en-US" sz="3200" dirty="0" smtClean="0">
+                <a:latin typeface="Consolas"/>
+                <a:cs typeface="Consolas"/>
+              </a:rPr>
+              <a:t>&lt;</a:t>
+            </a:r>
+            <a:r>
+              <a:rPr lang="en-US" sz="3200" dirty="0" smtClean="0">
+                <a:latin typeface="Consolas"/>
+                <a:cs typeface="Consolas"/>
+              </a:rPr>
+              <a:t>/object&gt;</a:t>
             </a:r>
           </a:p>
         </p:txBody>
@@ -13674,17 +13793,27 @@
                 <a:latin typeface="Consolas"/>
                 <a:cs typeface="Consolas"/>
               </a:rPr>
-              <a:t>" value="</a:t>
-            </a:r>
-            <a:r>
-              <a:rPr lang="en-US" sz="2800" dirty="0" err="1">
+              <a:t>" value</a:t>
+            </a:r>
+            <a:r>
+              <a:rPr lang="en-US" sz="2800" dirty="0" smtClean="0">
                 <a:solidFill>
                   <a:srgbClr val="9F0B5F"/>
                 </a:solidFill>
                 <a:latin typeface="Consolas"/>
                 <a:cs typeface="Consolas"/>
               </a:rPr>
-              <a:t>BCL.onTemplateReady</a:t>
+              <a:t>=“</a:t>
+            </a:r>
+            <a:r>
+              <a:rPr lang="en-US" sz="2800" dirty="0" err="1" smtClean="0">
+                <a:solidFill>
+                  <a:srgbClr val="9F0B5F"/>
+                </a:solidFill>
+                <a:latin typeface="Consolas"/>
+                <a:cs typeface="Consolas"/>
+              </a:rPr>
+              <a:t>onTemplateReady</a:t>
             </a:r>
             <a:r>
               <a:rPr lang="en-US" sz="2800" dirty="0">
@@ -19489,7 +19618,6 @@
               <a:rPr lang="en-US" sz="4000" dirty="0"/>
               <a:t>Using Cue Points for Chaptered Video</a:t>
             </a:r>
-            <a:endParaRPr lang="en-US" sz="4000" dirty="0"/>
           </a:p>
         </p:txBody>
       </p:sp>
@@ -19539,15 +19667,7 @@
             <a:pPr lvl="1"/>
             <a:r>
               <a:rPr lang="en-US" dirty="0" smtClean="0"/>
-              <a:t>Get </a:t>
-            </a:r>
-            <a:r>
-              <a:rPr lang="en-US" dirty="0" smtClean="0"/>
-              <a:t>the cue points – an array of </a:t>
-            </a:r>
-            <a:r>
-              <a:rPr lang="en-US" dirty="0" smtClean="0"/>
-              <a:t>objects</a:t>
+              <a:t>Get the cue points – an array of objects</a:t>
             </a:r>
           </a:p>
         </p:txBody>
